--- a/ES支援ツールに関して.pptx
+++ b/ES支援ツールに関して.pptx
@@ -5,13 +5,14 @@
     <p:sldMasterId id="2147483672" r:id="rId4"/>
   </p:sldMasterIdLst>
   <p:notesMasterIdLst>
-    <p:notesMasterId r:id="rId9"/>
+    <p:notesMasterId r:id="rId10"/>
   </p:notesMasterIdLst>
   <p:sldIdLst>
     <p:sldId id="256" r:id="rId5"/>
     <p:sldId id="339" r:id="rId6"/>
     <p:sldId id="340" r:id="rId7"/>
     <p:sldId id="341" r:id="rId8"/>
+    <p:sldId id="342" r:id="rId9"/>
   </p:sldIdLst>
   <p:sldSz cx="9144000" cy="6858000" type="screen4x3"/>
   <p:notesSz cx="6735763" cy="9866313"/>
@@ -4364,6 +4365,17 @@
               <a:buAutoNum type="arabicPeriod"/>
             </a:pPr>
             <a:r>
+              <a:rPr lang="ja-JP" altLang="en-US"/>
+              <a:t>保存データの表示機能</a:t>
+            </a:r>
+            <a:endParaRPr lang="en-US" altLang="ja-JP" dirty="0"/>
+          </a:p>
+          <a:p>
+            <a:pPr marL="514350" indent="-514350">
+              <a:buFont typeface="+mj-lt"/>
+              <a:buAutoNum type="arabicPeriod"/>
+            </a:pPr>
+            <a:r>
               <a:rPr kumimoji="1" lang="ja-JP" altLang="en-US"/>
               <a:t>編集機能の付与</a:t>
             </a:r>
@@ -4450,7 +4462,10 @@
           <a:bodyPr/>
           <a:lstStyle/>
           <a:p>
-            <a:endParaRPr kumimoji="1" lang="ja-JP" altLang="en-US"/>
+            <a:r>
+              <a:rPr kumimoji="1" lang="ja-JP" altLang="en-US"/>
+              <a:t>保存機能に関して</a:t>
+            </a:r>
           </a:p>
         </p:txBody>
       </p:sp>
@@ -4475,6 +4490,36 @@
           <a:bodyPr/>
           <a:lstStyle/>
           <a:p>
+            <a:r>
+              <a:rPr kumimoji="1" lang="en-US" altLang="ja-JP" dirty="0" err="1"/>
+              <a:t>handl</a:t>
+            </a:r>
+            <a:r>
+              <a:rPr lang="en-US" altLang="ja-JP" dirty="0" err="1"/>
+              <a:t>Save</a:t>
+            </a:r>
+            <a:endParaRPr lang="en-US" altLang="ja-JP" dirty="0"/>
+          </a:p>
+          <a:p>
+            <a:pPr lvl="1"/>
+            <a:r>
+              <a:rPr lang="en-US" altLang="ja-JP" dirty="0"/>
+              <a:t>save drafts</a:t>
+            </a:r>
+          </a:p>
+          <a:p>
+            <a:pPr lvl="1"/>
+            <a:r>
+              <a:rPr lang="ja-JP" altLang="en-US"/>
+              <a:t>ローカルストレージに保存する形で実装完了</a:t>
+            </a:r>
+            <a:endParaRPr lang="en-US" altLang="ja-JP" dirty="0"/>
+          </a:p>
+          <a:p>
+            <a:pPr lvl="1"/>
+            <a:endParaRPr lang="en-US" altLang="ja-JP" dirty="0"/>
+          </a:p>
+          <a:p>
             <a:endParaRPr kumimoji="1" lang="ja-JP" altLang="en-US"/>
           </a:p>
         </p:txBody>
@@ -4512,6 +4557,132 @@
     <p:extLst>
       <p:ext uri="{BB962C8B-B14F-4D97-AF65-F5344CB8AC3E}">
         <p14:creationId xmlns:p14="http://schemas.microsoft.com/office/powerpoint/2010/main" val="206384213"/>
+      </p:ext>
+    </p:extLst>
+  </p:cSld>
+  <p:clrMapOvr>
+    <a:masterClrMapping/>
+  </p:clrMapOvr>
+</p:sld>
+</file>
+
+<file path=ppt/slides/slide5.xml><?xml version="1.0" encoding="utf-8"?>
+<p:sld xmlns:a="http://schemas.openxmlformats.org/drawingml/2006/main" xmlns:r="http://schemas.openxmlformats.org/officeDocument/2006/relationships" xmlns:p="http://schemas.openxmlformats.org/presentationml/2006/main">
+  <p:cSld>
+    <p:spTree>
+      <p:nvGrpSpPr>
+        <p:cNvPr id="1" name=""/>
+        <p:cNvGrpSpPr/>
+        <p:nvPr/>
+      </p:nvGrpSpPr>
+      <p:grpSpPr>
+        <a:xfrm>
+          <a:off x="0" y="0"/>
+          <a:ext cx="0" cy="0"/>
+          <a:chOff x="0" y="0"/>
+          <a:chExt cx="0" cy="0"/>
+        </a:xfrm>
+      </p:grpSpPr>
+      <p:sp>
+        <p:nvSpPr>
+          <p:cNvPr id="2" name="タイトル 1">
+            <a:extLst>
+              <a:ext uri="{FF2B5EF4-FFF2-40B4-BE49-F238E27FC236}">
+                <a16:creationId xmlns:a16="http://schemas.microsoft.com/office/drawing/2014/main" id="{353CCDB9-CCED-C1F8-4397-556F3B25B7EF}"/>
+              </a:ext>
+            </a:extLst>
+          </p:cNvPr>
+          <p:cNvSpPr>
+            <a:spLocks noGrp="1"/>
+          </p:cNvSpPr>
+          <p:nvPr>
+            <p:ph type="title"/>
+          </p:nvPr>
+        </p:nvSpPr>
+        <p:spPr/>
+        <p:txBody>
+          <a:bodyPr/>
+          <a:lstStyle/>
+          <a:p>
+            <a:r>
+              <a:rPr kumimoji="1" lang="ja-JP" altLang="en-US"/>
+              <a:t>保存データの表示機能</a:t>
+            </a:r>
+          </a:p>
+        </p:txBody>
+      </p:sp>
+      <p:sp>
+        <p:nvSpPr>
+          <p:cNvPr id="3" name="コンテンツ プレースホルダー 2">
+            <a:extLst>
+              <a:ext uri="{FF2B5EF4-FFF2-40B4-BE49-F238E27FC236}">
+                <a16:creationId xmlns:a16="http://schemas.microsoft.com/office/drawing/2014/main" id="{10BE6AEF-FC97-BC89-E858-AB31C464F7CB}"/>
+              </a:ext>
+            </a:extLst>
+          </p:cNvPr>
+          <p:cNvSpPr>
+            <a:spLocks noGrp="1"/>
+          </p:cNvSpPr>
+          <p:nvPr>
+            <p:ph idx="1"/>
+          </p:nvPr>
+        </p:nvSpPr>
+        <p:spPr/>
+        <p:txBody>
+          <a:bodyPr/>
+          <a:lstStyle/>
+          <a:p>
+            <a:r>
+              <a:rPr kumimoji="1" lang="ja-JP" altLang="en-US"/>
+              <a:t>リストで表示</a:t>
+            </a:r>
+            <a:endParaRPr kumimoji="1" lang="en-US" altLang="ja-JP" dirty="0"/>
+          </a:p>
+          <a:p>
+            <a:r>
+              <a:rPr lang="ja-JP" altLang="en-US"/>
+              <a:t>選択したらその保存データを表示</a:t>
+            </a:r>
+            <a:endParaRPr lang="en-US" altLang="ja-JP"/>
+          </a:p>
+          <a:p>
+            <a:endParaRPr kumimoji="1" lang="ja-JP" altLang="en-US"/>
+          </a:p>
+        </p:txBody>
+      </p:sp>
+      <p:sp>
+        <p:nvSpPr>
+          <p:cNvPr id="4" name="スライド番号プレースホルダー 3">
+            <a:extLst>
+              <a:ext uri="{FF2B5EF4-FFF2-40B4-BE49-F238E27FC236}">
+                <a16:creationId xmlns:a16="http://schemas.microsoft.com/office/drawing/2014/main" id="{032CBF81-90FC-F56F-EEEB-A1D32D2C9761}"/>
+              </a:ext>
+            </a:extLst>
+          </p:cNvPr>
+          <p:cNvSpPr>
+            <a:spLocks noGrp="1"/>
+          </p:cNvSpPr>
+          <p:nvPr>
+            <p:ph type="sldNum" sz="quarter" idx="12"/>
+          </p:nvPr>
+        </p:nvSpPr>
+        <p:spPr/>
+        <p:txBody>
+          <a:bodyPr/>
+          <a:lstStyle/>
+          <a:p>
+            <a:fld id="{222B90FD-C78F-48BD-91D7-403B7159C4F8}" type="slidenum">
+              <a:rPr kumimoji="1" lang="ja-JP" altLang="en-US" smtClean="0"/>
+              <a:t>5</a:t>
+            </a:fld>
+            <a:endParaRPr kumimoji="1" lang="ja-JP" altLang="en-US"/>
+          </a:p>
+        </p:txBody>
+      </p:sp>
+    </p:spTree>
+    <p:extLst>
+      <p:ext uri="{BB962C8B-B14F-4D97-AF65-F5344CB8AC3E}">
+        <p14:creationId xmlns:p14="http://schemas.microsoft.com/office/powerpoint/2010/main" val="1983516877"/>
       </p:ext>
     </p:extLst>
   </p:cSld>

--- a/ES支援ツールに関して.pptx
+++ b/ES支援ツールに関して.pptx
@@ -5,7 +5,7 @@
     <p:sldMasterId id="2147483672" r:id="rId4"/>
   </p:sldMasterIdLst>
   <p:notesMasterIdLst>
-    <p:notesMasterId r:id="rId10"/>
+    <p:notesMasterId r:id="rId12"/>
   </p:notesMasterIdLst>
   <p:sldIdLst>
     <p:sldId id="256" r:id="rId5"/>
@@ -13,6 +13,8 @@
     <p:sldId id="340" r:id="rId7"/>
     <p:sldId id="341" r:id="rId8"/>
     <p:sldId id="342" r:id="rId9"/>
+    <p:sldId id="343" r:id="rId10"/>
+    <p:sldId id="344" r:id="rId11"/>
   </p:sldIdLst>
   <p:sldSz cx="9144000" cy="6858000" type="screen4x3"/>
   <p:notesSz cx="6735763" cy="9866313"/>
@@ -201,7 +203,7 @@
           <a:p>
             <a:fld id="{B9099E52-4290-4D05-8931-2C9DD7F1DF44}" type="datetimeFigureOut">
               <a:rPr kumimoji="1" lang="ja-JP" altLang="en-US" smtClean="0"/>
-              <a:t>2025/10/15</a:t>
+              <a:t>2025/10/17</a:t>
             </a:fld>
             <a:endParaRPr kumimoji="1" lang="ja-JP" altLang="en-US"/>
           </a:p>
@@ -717,7 +719,7 @@
           <a:p>
             <a:fld id="{5D354A73-9645-46F4-8CAE-3F039435ADA4}" type="datetime1">
               <a:rPr kumimoji="1" lang="ja-JP" altLang="en-US" smtClean="0"/>
-              <a:t>2025/10/15</a:t>
+              <a:t>2025/10/17</a:t>
             </a:fld>
             <a:endParaRPr kumimoji="1" lang="ja-JP" altLang="en-US"/>
           </a:p>
@@ -919,7 +921,7 @@
           <a:p>
             <a:fld id="{F355F034-11D4-4366-853C-C3CE1C3E9DD4}" type="datetime1">
               <a:rPr kumimoji="1" lang="ja-JP" altLang="en-US" smtClean="0"/>
-              <a:t>2025/10/15</a:t>
+              <a:t>2025/10/17</a:t>
             </a:fld>
             <a:endParaRPr kumimoji="1" lang="ja-JP" altLang="en-US"/>
           </a:p>
@@ -1131,7 +1133,7 @@
           <a:p>
             <a:fld id="{F56CB243-010E-4448-A624-A31D1CE7D411}" type="datetime1">
               <a:rPr kumimoji="1" lang="ja-JP" altLang="en-US" smtClean="0"/>
-              <a:t>2025/10/15</a:t>
+              <a:t>2025/10/17</a:t>
             </a:fld>
             <a:endParaRPr kumimoji="1" lang="ja-JP" altLang="en-US"/>
           </a:p>
@@ -1365,7 +1367,7 @@
           <a:p>
             <a:fld id="{7BB014B0-122C-4DE8-8FBD-5C4C0E25D7C9}" type="datetime1">
               <a:rPr kumimoji="1" lang="ja-JP" altLang="en-US" smtClean="0"/>
-              <a:t>2025/10/15</a:t>
+              <a:t>2025/10/17</a:t>
             </a:fld>
             <a:endParaRPr kumimoji="1" lang="ja-JP" altLang="en-US"/>
           </a:p>
@@ -1646,7 +1648,7 @@
           <a:p>
             <a:fld id="{A5ADD008-8462-44E2-A740-4DA599C2DD04}" type="datetime1">
               <a:rPr kumimoji="1" lang="ja-JP" altLang="en-US" smtClean="0"/>
-              <a:t>2025/10/15</a:t>
+              <a:t>2025/10/17</a:t>
             </a:fld>
             <a:endParaRPr kumimoji="1" lang="ja-JP" altLang="en-US"/>
           </a:p>
@@ -1995,7 +1997,7 @@
           <a:p>
             <a:fld id="{3E54CD5F-C650-410B-A1AC-62501D008F96}" type="datetime1">
               <a:rPr kumimoji="1" lang="ja-JP" altLang="en-US" smtClean="0"/>
-              <a:t>2025/10/15</a:t>
+              <a:t>2025/10/17</a:t>
             </a:fld>
             <a:endParaRPr kumimoji="1" lang="ja-JP" altLang="en-US"/>
           </a:p>
@@ -2461,7 +2463,7 @@
           <a:p>
             <a:fld id="{1982BA59-4774-4E9E-9A45-A2984AD30C02}" type="datetime1">
               <a:rPr kumimoji="1" lang="ja-JP" altLang="en-US" smtClean="0"/>
-              <a:t>2025/10/15</a:t>
+              <a:t>2025/10/17</a:t>
             </a:fld>
             <a:endParaRPr kumimoji="1" lang="ja-JP" altLang="en-US"/>
           </a:p>
@@ -2590,7 +2592,7 @@
           <a:p>
             <a:fld id="{57F90D10-8C79-416E-A6A2-50A88F87A646}" type="datetime1">
               <a:rPr kumimoji="1" lang="ja-JP" altLang="en-US" smtClean="0"/>
-              <a:t>2025/10/15</a:t>
+              <a:t>2025/10/17</a:t>
             </a:fld>
             <a:endParaRPr kumimoji="1" lang="ja-JP" altLang="en-US"/>
           </a:p>
@@ -2720,7 +2722,7 @@
           <a:p>
             <a:fld id="{46AC0977-B3ED-4B27-A70E-C3A8D1885C38}" type="datetime1">
               <a:rPr kumimoji="1" lang="ja-JP" altLang="en-US" smtClean="0"/>
-              <a:t>2025/10/15</a:t>
+              <a:t>2025/10/17</a:t>
             </a:fld>
             <a:endParaRPr kumimoji="1" lang="ja-JP" altLang="en-US"/>
           </a:p>
@@ -3029,7 +3031,7 @@
           <a:p>
             <a:fld id="{E562DD34-1A33-432F-A254-1D2296669383}" type="datetime1">
               <a:rPr kumimoji="1" lang="ja-JP" altLang="en-US" smtClean="0"/>
-              <a:t>2025/10/15</a:t>
+              <a:t>2025/10/17</a:t>
             </a:fld>
             <a:endParaRPr kumimoji="1" lang="ja-JP" altLang="en-US"/>
           </a:p>
@@ -3286,7 +3288,7 @@
           <a:p>
             <a:fld id="{72211CB7-0049-41A1-A329-4A9097D844AD}" type="datetime1">
               <a:rPr kumimoji="1" lang="ja-JP" altLang="en-US" smtClean="0"/>
-              <a:t>2025/10/15</a:t>
+              <a:t>2025/10/17</a:t>
             </a:fld>
             <a:endParaRPr kumimoji="1" lang="ja-JP" altLang="en-US"/>
           </a:p>
@@ -3531,7 +3533,7 @@
           <a:p>
             <a:fld id="{288E39EE-241C-455E-BDAE-4FB8C207E1BF}" type="datetime1">
               <a:rPr kumimoji="1" lang="ja-JP" altLang="en-US" smtClean="0"/>
-              <a:t>2025/10/15</a:t>
+              <a:t>2025/10/17</a:t>
             </a:fld>
             <a:endParaRPr kumimoji="1" lang="ja-JP" altLang="en-US"/>
           </a:p>
@@ -4634,16 +4636,19 @@
           <a:p>
             <a:r>
               <a:rPr kumimoji="1" lang="ja-JP" altLang="en-US"/>
-              <a:t>リストで表示</a:t>
+              <a:t>リストで表示（済）</a:t>
             </a:r>
             <a:endParaRPr kumimoji="1" lang="en-US" altLang="ja-JP" dirty="0"/>
           </a:p>
           <a:p>
             <a:r>
               <a:rPr lang="ja-JP" altLang="en-US"/>
-              <a:t>選択したらその保存データを表示</a:t>
-            </a:r>
-            <a:endParaRPr lang="en-US" altLang="ja-JP"/>
+              <a:t>選択したらその保存データを表示（済）</a:t>
+            </a:r>
+            <a:endParaRPr lang="en-US" altLang="ja-JP" dirty="0"/>
+          </a:p>
+          <a:p>
+            <a:endParaRPr lang="en-US" altLang="ja-JP" dirty="0"/>
           </a:p>
           <a:p>
             <a:endParaRPr kumimoji="1" lang="ja-JP" altLang="en-US"/>
@@ -4683,6 +4688,277 @@
     <p:extLst>
       <p:ext uri="{BB962C8B-B14F-4D97-AF65-F5344CB8AC3E}">
         <p14:creationId xmlns:p14="http://schemas.microsoft.com/office/powerpoint/2010/main" val="1983516877"/>
+      </p:ext>
+    </p:extLst>
+  </p:cSld>
+  <p:clrMapOvr>
+    <a:masterClrMapping/>
+  </p:clrMapOvr>
+</p:sld>
+</file>
+
+<file path=ppt/slides/slide6.xml><?xml version="1.0" encoding="utf-8"?>
+<p:sld xmlns:a="http://schemas.openxmlformats.org/drawingml/2006/main" xmlns:r="http://schemas.openxmlformats.org/officeDocument/2006/relationships" xmlns:p="http://schemas.openxmlformats.org/presentationml/2006/main">
+  <p:cSld>
+    <p:spTree>
+      <p:nvGrpSpPr>
+        <p:cNvPr id="1" name=""/>
+        <p:cNvGrpSpPr/>
+        <p:nvPr/>
+      </p:nvGrpSpPr>
+      <p:grpSpPr>
+        <a:xfrm>
+          <a:off x="0" y="0"/>
+          <a:ext cx="0" cy="0"/>
+          <a:chOff x="0" y="0"/>
+          <a:chExt cx="0" cy="0"/>
+        </a:xfrm>
+      </p:grpSpPr>
+      <p:sp>
+        <p:nvSpPr>
+          <p:cNvPr id="2" name="タイトル 1">
+            <a:extLst>
+              <a:ext uri="{FF2B5EF4-FFF2-40B4-BE49-F238E27FC236}">
+                <a16:creationId xmlns:a16="http://schemas.microsoft.com/office/drawing/2014/main" id="{6A6F2BC3-0DBB-DF7C-8A5C-A9131B3EE012}"/>
+              </a:ext>
+            </a:extLst>
+          </p:cNvPr>
+          <p:cNvSpPr>
+            <a:spLocks noGrp="1"/>
+          </p:cNvSpPr>
+          <p:nvPr>
+            <p:ph type="title"/>
+          </p:nvPr>
+        </p:nvSpPr>
+        <p:spPr/>
+        <p:txBody>
+          <a:bodyPr/>
+          <a:lstStyle/>
+          <a:p>
+            <a:r>
+              <a:rPr kumimoji="1" lang="ja-JP" altLang="en-US"/>
+              <a:t>編集機能の付与</a:t>
+            </a:r>
+          </a:p>
+        </p:txBody>
+      </p:sp>
+      <p:sp>
+        <p:nvSpPr>
+          <p:cNvPr id="3" name="コンテンツ プレースホルダー 2">
+            <a:extLst>
+              <a:ext uri="{FF2B5EF4-FFF2-40B4-BE49-F238E27FC236}">
+                <a16:creationId xmlns:a16="http://schemas.microsoft.com/office/drawing/2014/main" id="{4CF82540-6909-1BC0-AA9A-E3EE18C4A162}"/>
+              </a:ext>
+            </a:extLst>
+          </p:cNvPr>
+          <p:cNvSpPr>
+            <a:spLocks noGrp="1"/>
+          </p:cNvSpPr>
+          <p:nvPr>
+            <p:ph idx="1"/>
+          </p:nvPr>
+        </p:nvSpPr>
+        <p:spPr/>
+        <p:txBody>
+          <a:bodyPr/>
+          <a:lstStyle/>
+          <a:p>
+            <a:r>
+              <a:rPr kumimoji="1" lang="ja-JP" altLang="en-US"/>
+              <a:t>編集機能</a:t>
+            </a:r>
+            <a:endParaRPr kumimoji="1" lang="en-US" altLang="ja-JP" dirty="0"/>
+          </a:p>
+          <a:p>
+            <a:pPr lvl="1"/>
+            <a:r>
+              <a:rPr lang="ja-JP" altLang="en-US"/>
+              <a:t>リストから選択して編集する形をとっている</a:t>
+            </a:r>
+            <a:endParaRPr lang="en-US" altLang="ja-JP" dirty="0"/>
+          </a:p>
+          <a:p>
+            <a:pPr lvl="1"/>
+            <a:r>
+              <a:rPr lang="ja-JP" altLang="en-US"/>
+              <a:t>編集元とは別のものとしてリストに登録される。</a:t>
+            </a:r>
+            <a:endParaRPr lang="en-US" altLang="ja-JP" dirty="0"/>
+          </a:p>
+          <a:p>
+            <a:pPr lvl="2"/>
+            <a:r>
+              <a:rPr lang="ja-JP" altLang="en-US"/>
+              <a:t>統合して扱いたい。おそらくできた？</a:t>
+            </a:r>
+            <a:endParaRPr lang="en-US" altLang="ja-JP" dirty="0"/>
+          </a:p>
+          <a:p>
+            <a:endParaRPr kumimoji="1" lang="ja-JP" altLang="en-US"/>
+          </a:p>
+        </p:txBody>
+      </p:sp>
+      <p:sp>
+        <p:nvSpPr>
+          <p:cNvPr id="4" name="スライド番号プレースホルダー 3">
+            <a:extLst>
+              <a:ext uri="{FF2B5EF4-FFF2-40B4-BE49-F238E27FC236}">
+                <a16:creationId xmlns:a16="http://schemas.microsoft.com/office/drawing/2014/main" id="{D567B210-1A24-2D7D-CA0A-237CCE19454E}"/>
+              </a:ext>
+            </a:extLst>
+          </p:cNvPr>
+          <p:cNvSpPr>
+            <a:spLocks noGrp="1"/>
+          </p:cNvSpPr>
+          <p:nvPr>
+            <p:ph type="sldNum" sz="quarter" idx="12"/>
+          </p:nvPr>
+        </p:nvSpPr>
+        <p:spPr/>
+        <p:txBody>
+          <a:bodyPr/>
+          <a:lstStyle/>
+          <a:p>
+            <a:fld id="{222B90FD-C78F-48BD-91D7-403B7159C4F8}" type="slidenum">
+              <a:rPr kumimoji="1" lang="ja-JP" altLang="en-US" smtClean="0"/>
+              <a:t>6</a:t>
+            </a:fld>
+            <a:endParaRPr kumimoji="1" lang="ja-JP" altLang="en-US"/>
+          </a:p>
+        </p:txBody>
+      </p:sp>
+    </p:spTree>
+    <p:extLst>
+      <p:ext uri="{BB962C8B-B14F-4D97-AF65-F5344CB8AC3E}">
+        <p14:creationId xmlns:p14="http://schemas.microsoft.com/office/powerpoint/2010/main" val="3491213575"/>
+      </p:ext>
+    </p:extLst>
+  </p:cSld>
+  <p:clrMapOvr>
+    <a:masterClrMapping/>
+  </p:clrMapOvr>
+</p:sld>
+</file>
+
+<file path=ppt/slides/slide7.xml><?xml version="1.0" encoding="utf-8"?>
+<p:sld xmlns:a="http://schemas.openxmlformats.org/drawingml/2006/main" xmlns:r="http://schemas.openxmlformats.org/officeDocument/2006/relationships" xmlns:p="http://schemas.openxmlformats.org/presentationml/2006/main">
+  <p:cSld>
+    <p:spTree>
+      <p:nvGrpSpPr>
+        <p:cNvPr id="1" name=""/>
+        <p:cNvGrpSpPr/>
+        <p:nvPr/>
+      </p:nvGrpSpPr>
+      <p:grpSpPr>
+        <a:xfrm>
+          <a:off x="0" y="0"/>
+          <a:ext cx="0" cy="0"/>
+          <a:chOff x="0" y="0"/>
+          <a:chExt cx="0" cy="0"/>
+        </a:xfrm>
+      </p:grpSpPr>
+      <p:sp>
+        <p:nvSpPr>
+          <p:cNvPr id="2" name="タイトル 1">
+            <a:extLst>
+              <a:ext uri="{FF2B5EF4-FFF2-40B4-BE49-F238E27FC236}">
+                <a16:creationId xmlns:a16="http://schemas.microsoft.com/office/drawing/2014/main" id="{BDF98C4E-18E3-2C6F-A96A-340C66735051}"/>
+              </a:ext>
+            </a:extLst>
+          </p:cNvPr>
+          <p:cNvSpPr>
+            <a:spLocks noGrp="1"/>
+          </p:cNvSpPr>
+          <p:nvPr>
+            <p:ph type="title"/>
+          </p:nvPr>
+        </p:nvSpPr>
+        <p:spPr/>
+        <p:txBody>
+          <a:bodyPr/>
+          <a:lstStyle/>
+          <a:p>
+            <a:r>
+              <a:rPr kumimoji="1" lang="ja-JP" altLang="en-US"/>
+              <a:t>削除機能</a:t>
+            </a:r>
+          </a:p>
+        </p:txBody>
+      </p:sp>
+      <p:sp>
+        <p:nvSpPr>
+          <p:cNvPr id="3" name="コンテンツ プレースホルダー 2">
+            <a:extLst>
+              <a:ext uri="{FF2B5EF4-FFF2-40B4-BE49-F238E27FC236}">
+                <a16:creationId xmlns:a16="http://schemas.microsoft.com/office/drawing/2014/main" id="{767C26F3-E46B-BD57-570C-656C89074C48}"/>
+              </a:ext>
+            </a:extLst>
+          </p:cNvPr>
+          <p:cNvSpPr>
+            <a:spLocks noGrp="1"/>
+          </p:cNvSpPr>
+          <p:nvPr>
+            <p:ph idx="1"/>
+          </p:nvPr>
+        </p:nvSpPr>
+        <p:spPr/>
+        <p:txBody>
+          <a:bodyPr/>
+          <a:lstStyle/>
+          <a:p>
+            <a:r>
+              <a:rPr kumimoji="1" lang="ja-JP" altLang="en-US"/>
+              <a:t>実装済</a:t>
+            </a:r>
+            <a:endParaRPr kumimoji="1" lang="en-US" altLang="ja-JP" dirty="0"/>
+          </a:p>
+          <a:p>
+            <a:pPr lvl="1"/>
+            <a:r>
+              <a:rPr lang="ja-JP" altLang="en-US"/>
+              <a:t>保存リストに削除ボタンを表示。そのボタンを押したら削除されるというもの。</a:t>
+            </a:r>
+            <a:endParaRPr lang="en-US" altLang="ja-JP"/>
+          </a:p>
+          <a:p>
+            <a:pPr lvl="1"/>
+            <a:endParaRPr kumimoji="1" lang="ja-JP" altLang="en-US"/>
+          </a:p>
+        </p:txBody>
+      </p:sp>
+      <p:sp>
+        <p:nvSpPr>
+          <p:cNvPr id="4" name="スライド番号プレースホルダー 3">
+            <a:extLst>
+              <a:ext uri="{FF2B5EF4-FFF2-40B4-BE49-F238E27FC236}">
+                <a16:creationId xmlns:a16="http://schemas.microsoft.com/office/drawing/2014/main" id="{59D3AB41-FB36-FA89-1EBF-0F05BF129CD6}"/>
+              </a:ext>
+            </a:extLst>
+          </p:cNvPr>
+          <p:cNvSpPr>
+            <a:spLocks noGrp="1"/>
+          </p:cNvSpPr>
+          <p:nvPr>
+            <p:ph type="sldNum" sz="quarter" idx="12"/>
+          </p:nvPr>
+        </p:nvSpPr>
+        <p:spPr/>
+        <p:txBody>
+          <a:bodyPr/>
+          <a:lstStyle/>
+          <a:p>
+            <a:fld id="{222B90FD-C78F-48BD-91D7-403B7159C4F8}" type="slidenum">
+              <a:rPr kumimoji="1" lang="ja-JP" altLang="en-US" smtClean="0"/>
+              <a:t>7</a:t>
+            </a:fld>
+            <a:endParaRPr kumimoji="1" lang="ja-JP" altLang="en-US"/>
+          </a:p>
+        </p:txBody>
+      </p:sp>
+    </p:spTree>
+    <p:extLst>
+      <p:ext uri="{BB962C8B-B14F-4D97-AF65-F5344CB8AC3E}">
+        <p14:creationId xmlns:p14="http://schemas.microsoft.com/office/powerpoint/2010/main" val="554440779"/>
       </p:ext>
     </p:extLst>
   </p:cSld>
@@ -5189,21 +5465,12 @@
 </file>
 
 <file path=customXml/item1.xml><?xml version="1.0" encoding="utf-8"?>
-<?mso-contentType ?>
-<FormTemplates xmlns="http://schemas.microsoft.com/sharepoint/v3/contenttype/forms">
-  <Display>DocumentLibraryForm</Display>
-  <Edit>DocumentLibraryForm</Edit>
-  <New>DocumentLibraryForm</New>
-</FormTemplates>
-</file>
-
-<file path=customXml/item2.xml><?xml version="1.0" encoding="utf-8"?>
 <p:properties xmlns:p="http://schemas.microsoft.com/office/2006/metadata/properties" xmlns:xsi="http://www.w3.org/2001/XMLSchema-instance" xmlns:pc="http://schemas.microsoft.com/office/infopath/2007/PartnerControls">
   <documentManagement/>
 </p:properties>
 </file>
 
-<file path=customXml/item3.xml><?xml version="1.0" encoding="utf-8"?>
+<file path=customXml/item2.xml><?xml version="1.0" encoding="utf-8"?>
 <ct:contentTypeSchema xmlns:ct="http://schemas.microsoft.com/office/2006/metadata/contentType" xmlns:ma="http://schemas.microsoft.com/office/2006/metadata/properties/metaAttributes" ct:_="" ma:_="" ma:contentTypeName="Document" ma:contentTypeID="0x0101003F6BAB8902328748B0FE5BEEE8D0CCB2" ma:contentTypeVersion="10" ma:contentTypeDescription="Create a new document." ma:contentTypeScope="" ma:versionID="40414093c067ed721c2f82f522f160b0">
   <xsd:schema xmlns:xsd="http://www.w3.org/2001/XMLSchema" xmlns:xs="http://www.w3.org/2001/XMLSchema" xmlns:p="http://schemas.microsoft.com/office/2006/metadata/properties" xmlns:ns2="1b869432-6d72-42a7-b8e8-44707294afa2" xmlns:ns3="1196d923-5ac7-43fb-95ce-b3fa5caae8c9" targetNamespace="http://schemas.microsoft.com/office/2006/metadata/properties" ma:root="true" ma:fieldsID="f3e1eca8ffdc45b21a0c8a5316f54719" ns2:_="" ns3:_="">
     <xsd:import namespace="1b869432-6d72-42a7-b8e8-44707294afa2"/>
@@ -5404,15 +5671,16 @@
 </ct:contentTypeSchema>
 </file>
 
-<file path=customXml/itemProps1.xml><?xml version="1.0" encoding="utf-8"?>
-<ds:datastoreItem xmlns:ds="http://schemas.openxmlformats.org/officeDocument/2006/customXml" ds:itemID="{B61AF318-6F92-4E09-BF38-3B4EC8BD556C}">
-  <ds:schemaRefs>
-    <ds:schemaRef ds:uri="http://schemas.microsoft.com/sharepoint/v3/contenttype/forms"/>
-  </ds:schemaRefs>
-</ds:datastoreItem>
+<file path=customXml/item3.xml><?xml version="1.0" encoding="utf-8"?>
+<?mso-contentType ?>
+<FormTemplates xmlns="http://schemas.microsoft.com/sharepoint/v3/contenttype/forms">
+  <Display>DocumentLibraryForm</Display>
+  <Edit>DocumentLibraryForm</Edit>
+  <New>DocumentLibraryForm</New>
+</FormTemplates>
 </file>
 
-<file path=customXml/itemProps2.xml><?xml version="1.0" encoding="utf-8"?>
+<file path=customXml/itemProps1.xml><?xml version="1.0" encoding="utf-8"?>
 <ds:datastoreItem xmlns:ds="http://schemas.openxmlformats.org/officeDocument/2006/customXml" ds:itemID="{7498FD27-B82F-4009-85F7-14226D5912EF}">
   <ds:schemaRefs>
     <ds:schemaRef ds:uri="http://purl.org/dc/dcmitype/"/>
@@ -5429,7 +5697,7 @@
 </ds:datastoreItem>
 </file>
 
-<file path=customXml/itemProps3.xml><?xml version="1.0" encoding="utf-8"?>
+<file path=customXml/itemProps2.xml><?xml version="1.0" encoding="utf-8"?>
 <ds:datastoreItem xmlns:ds="http://schemas.openxmlformats.org/officeDocument/2006/customXml" ds:itemID="{AF3A181B-E782-4878-9C1B-BD7D7DF1C33E}">
   <ds:schemaRefs>
     <ds:schemaRef ds:uri="http://schemas.microsoft.com/office/2006/metadata/contentType"/>
@@ -5446,4 +5714,12 @@
     <ds:schemaRef ds:uri="http://schemas.microsoft.com/internal/obd"/>
   </ds:schemaRefs>
 </ds:datastoreItem>
+</file>
+
+<file path=customXml/itemProps3.xml><?xml version="1.0" encoding="utf-8"?>
+<ds:datastoreItem xmlns:ds="http://schemas.openxmlformats.org/officeDocument/2006/customXml" ds:itemID="{B61AF318-6F92-4E09-BF38-3B4EC8BD556C}">
+  <ds:schemaRefs>
+    <ds:schemaRef ds:uri="http://schemas.microsoft.com/sharepoint/v3/contenttype/forms"/>
+  </ds:schemaRefs>
+</ds:datastoreItem>
 </file>